--- a/Project/Presentation.pptx
+++ b/Project/Presentation.pptx
@@ -201,7 +201,7 @@
           <a:p>
             <a:fld id="{FCB3A6A0-6702-4D49-87D8-826C13E234E8}" type="datetimeFigureOut">
               <a:rPr lang="zh-CN" altLang="en-US" smtClean="0"/>
-              <a:t>2024/12/10</a:t>
+              <a:t>2024/12/11</a:t>
             </a:fld>
             <a:endParaRPr lang="zh-CN" altLang="en-US"/>
           </a:p>
@@ -615,7 +615,7 @@
           <a:p>
             <a:fld id="{9D50BFD2-7961-424E-980C-906535BA95D4}" type="datetimeFigureOut">
               <a:rPr lang="zh-CN" altLang="en-US" smtClean="0"/>
-              <a:t>2024/12/10</a:t>
+              <a:t>2024/12/11</a:t>
             </a:fld>
             <a:endParaRPr lang="zh-CN" altLang="en-US"/>
           </a:p>
@@ -813,7 +813,7 @@
           <a:p>
             <a:fld id="{9D50BFD2-7961-424E-980C-906535BA95D4}" type="datetimeFigureOut">
               <a:rPr lang="zh-CN" altLang="en-US" smtClean="0"/>
-              <a:t>2024/12/10</a:t>
+              <a:t>2024/12/11</a:t>
             </a:fld>
             <a:endParaRPr lang="zh-CN" altLang="en-US"/>
           </a:p>
@@ -1021,7 +1021,7 @@
           <a:p>
             <a:fld id="{9D50BFD2-7961-424E-980C-906535BA95D4}" type="datetimeFigureOut">
               <a:rPr lang="zh-CN" altLang="en-US" smtClean="0"/>
-              <a:t>2024/12/10</a:t>
+              <a:t>2024/12/11</a:t>
             </a:fld>
             <a:endParaRPr lang="zh-CN" altLang="en-US"/>
           </a:p>
@@ -1219,7 +1219,7 @@
           <a:p>
             <a:fld id="{9D50BFD2-7961-424E-980C-906535BA95D4}" type="datetimeFigureOut">
               <a:rPr lang="zh-CN" altLang="en-US" smtClean="0"/>
-              <a:t>2024/12/10</a:t>
+              <a:t>2024/12/11</a:t>
             </a:fld>
             <a:endParaRPr lang="zh-CN" altLang="en-US"/>
           </a:p>
@@ -1494,7 +1494,7 @@
           <a:p>
             <a:fld id="{9D50BFD2-7961-424E-980C-906535BA95D4}" type="datetimeFigureOut">
               <a:rPr lang="zh-CN" altLang="en-US" smtClean="0"/>
-              <a:t>2024/12/10</a:t>
+              <a:t>2024/12/11</a:t>
             </a:fld>
             <a:endParaRPr lang="zh-CN" altLang="en-US"/>
           </a:p>
@@ -1759,7 +1759,7 @@
           <a:p>
             <a:fld id="{9D50BFD2-7961-424E-980C-906535BA95D4}" type="datetimeFigureOut">
               <a:rPr lang="zh-CN" altLang="en-US" smtClean="0"/>
-              <a:t>2024/12/10</a:t>
+              <a:t>2024/12/11</a:t>
             </a:fld>
             <a:endParaRPr lang="zh-CN" altLang="en-US"/>
           </a:p>
@@ -2171,7 +2171,7 @@
           <a:p>
             <a:fld id="{9D50BFD2-7961-424E-980C-906535BA95D4}" type="datetimeFigureOut">
               <a:rPr lang="zh-CN" altLang="en-US" smtClean="0"/>
-              <a:t>2024/12/10</a:t>
+              <a:t>2024/12/11</a:t>
             </a:fld>
             <a:endParaRPr lang="zh-CN" altLang="en-US"/>
           </a:p>
@@ -2312,7 +2312,7 @@
           <a:p>
             <a:fld id="{9D50BFD2-7961-424E-980C-906535BA95D4}" type="datetimeFigureOut">
               <a:rPr lang="zh-CN" altLang="en-US" smtClean="0"/>
-              <a:t>2024/12/10</a:t>
+              <a:t>2024/12/11</a:t>
             </a:fld>
             <a:endParaRPr lang="zh-CN" altLang="en-US"/>
           </a:p>
@@ -2425,7 +2425,7 @@
           <a:p>
             <a:fld id="{9D50BFD2-7961-424E-980C-906535BA95D4}" type="datetimeFigureOut">
               <a:rPr lang="zh-CN" altLang="en-US" smtClean="0"/>
-              <a:t>2024/12/10</a:t>
+              <a:t>2024/12/11</a:t>
             </a:fld>
             <a:endParaRPr lang="zh-CN" altLang="en-US"/>
           </a:p>
@@ -2736,7 +2736,7 @@
           <a:p>
             <a:fld id="{9D50BFD2-7961-424E-980C-906535BA95D4}" type="datetimeFigureOut">
               <a:rPr lang="zh-CN" altLang="en-US" smtClean="0"/>
-              <a:t>2024/12/10</a:t>
+              <a:t>2024/12/11</a:t>
             </a:fld>
             <a:endParaRPr lang="zh-CN" altLang="en-US"/>
           </a:p>
@@ -3024,7 +3024,7 @@
           <a:p>
             <a:fld id="{9D50BFD2-7961-424E-980C-906535BA95D4}" type="datetimeFigureOut">
               <a:rPr lang="zh-CN" altLang="en-US" smtClean="0"/>
-              <a:t>2024/12/10</a:t>
+              <a:t>2024/12/11</a:t>
             </a:fld>
             <a:endParaRPr lang="zh-CN" altLang="en-US"/>
           </a:p>
@@ -3265,7 +3265,7 @@
           <a:p>
             <a:fld id="{9D50BFD2-7961-424E-980C-906535BA95D4}" type="datetimeFigureOut">
               <a:rPr lang="zh-CN" altLang="en-US" smtClean="0"/>
-              <a:t>2024/12/10</a:t>
+              <a:t>2024/12/11</a:t>
             </a:fld>
             <a:endParaRPr lang="zh-CN" altLang="en-US"/>
           </a:p>
@@ -4161,7 +4161,7 @@
       </p:grpSpPr>
       <p:sp useBgFill="1">
         <p:nvSpPr>
-          <p:cNvPr id="19" name="Rectangle 18">
+          <p:cNvPr id="30" name="Rectangle 29">
             <a:extLst>
               <a:ext uri="{FF2B5EF4-FFF2-40B4-BE49-F238E27FC236}">
                 <a16:creationId xmlns:a16="http://schemas.microsoft.com/office/drawing/2014/main" id="{A8384FB5-9ADC-4DDC-881B-597D56F5B15D}"/>
@@ -4237,10 +4237,10 @@
       </p:sp>
       <p:sp>
         <p:nvSpPr>
-          <p:cNvPr id="21" name="Rectangle 20">
-            <a:extLst>
-              <a:ext uri="{FF2B5EF4-FFF2-40B4-BE49-F238E27FC236}">
-                <a16:creationId xmlns:a16="http://schemas.microsoft.com/office/drawing/2014/main" id="{1199E1B1-A8C0-4FE8-A5A8-1CB41D69F857}"/>
+          <p:cNvPr id="32" name="Rectangle 31">
+            <a:extLst>
+              <a:ext uri="{FF2B5EF4-FFF2-40B4-BE49-F238E27FC236}">
+                <a16:creationId xmlns:a16="http://schemas.microsoft.com/office/drawing/2014/main" id="{91E5A9A7-95C6-4F4F-B00E-C82E07FE62EF}"/>
               </a:ext>
               <a:ext uri="{C183D7F6-B498-43B3-948B-1728B52AA6E4}">
                 <adec:decorative xmlns:adec="http://schemas.microsoft.com/office/drawing/2017/decorative" val="1"/>
@@ -4259,9 +4259,9 @@
           </p:nvPr>
         </p:nvSpPr>
         <p:spPr>
-          <a:xfrm rot="10800000" flipH="1">
-            <a:off x="2" y="0"/>
-            <a:ext cx="12191998" cy="1575955"/>
+          <a:xfrm rot="5400000" flipH="1">
+            <a:off x="-1417539" y="1417538"/>
+            <a:ext cx="6875818" cy="4040744"/>
           </a:xfrm>
           <a:prstGeom prst="rect">
             <a:avLst/>
@@ -4269,9 +4269,7 @@
           <a:gradFill>
             <a:gsLst>
               <a:gs pos="0">
-                <a:srgbClr val="000000">
-                  <a:alpha val="96000"/>
-                </a:srgbClr>
+                <a:srgbClr val="000000"/>
               </a:gs>
               <a:gs pos="100000">
                 <a:schemeClr val="accent1">
@@ -4279,7 +4277,7 @@
                 </a:schemeClr>
               </a:gs>
             </a:gsLst>
-            <a:lin ang="6000000" scaled="0"/>
+            <a:lin ang="18600000" scaled="0"/>
           </a:gradFill>
           <a:ln>
             <a:noFill/>
@@ -4306,16 +4304,16 @@
           <a:lstStyle/>
           <a:p>
             <a:pPr algn="ctr"/>
-            <a:endParaRPr lang="en-US"/>
-          </a:p>
-        </p:txBody>
-      </p:sp>
-      <p:sp>
-        <p:nvSpPr>
-          <p:cNvPr id="23" name="Rectangle 22">
-            <a:extLst>
-              <a:ext uri="{FF2B5EF4-FFF2-40B4-BE49-F238E27FC236}">
-                <a16:creationId xmlns:a16="http://schemas.microsoft.com/office/drawing/2014/main" id="{84A8DE83-DE75-4B41-9DB4-A7EC0B0DEC0B}"/>
+            <a:endParaRPr lang="en-US" dirty="0"/>
+          </a:p>
+        </p:txBody>
+      </p:sp>
+      <p:sp>
+        <p:nvSpPr>
+          <p:cNvPr id="34" name="Rectangle 33">
+            <a:extLst>
+              <a:ext uri="{FF2B5EF4-FFF2-40B4-BE49-F238E27FC236}">
+                <a16:creationId xmlns:a16="http://schemas.microsoft.com/office/drawing/2014/main" id="{D07DD2DE-F619-49DD-B5E7-03A290FF4ED1}"/>
               </a:ext>
               <a:ext uri="{C183D7F6-B498-43B3-948B-1728B52AA6E4}">
                 <adec:decorative xmlns:adec="http://schemas.microsoft.com/office/drawing/2017/decorative" val="1"/>
@@ -4334,9 +4332,9 @@
           </p:nvPr>
         </p:nvSpPr>
         <p:spPr>
-          <a:xfrm>
-            <a:off x="0" y="0"/>
-            <a:ext cx="8128856" cy="1575461"/>
+          <a:xfrm rot="16200000">
+            <a:off x="-158495" y="2660473"/>
+            <a:ext cx="4355594" cy="4038603"/>
           </a:xfrm>
           <a:prstGeom prst="rect">
             <a:avLst/>
@@ -4345,18 +4343,17 @@
             <a:gsLst>
               <a:gs pos="0">
                 <a:schemeClr val="accent1">
-                  <a:alpha val="41000"/>
+                  <a:alpha val="50000"/>
                 </a:schemeClr>
               </a:gs>
-              <a:gs pos="74000">
+              <a:gs pos="100000">
                 <a:schemeClr val="accent1">
-                  <a:lumMod val="60000"/>
-                  <a:lumOff val="40000"/>
+                  <a:lumMod val="50000"/>
                   <a:alpha val="0"/>
                 </a:schemeClr>
               </a:gs>
             </a:gsLst>
-            <a:lin ang="8400000" scaled="0"/>
+            <a:lin ang="11400000" scaled="0"/>
           </a:gradFill>
           <a:ln>
             <a:noFill/>
@@ -4389,10 +4386,10 @@
       </p:sp>
       <p:sp>
         <p:nvSpPr>
-          <p:cNvPr id="25" name="Rectangle 24">
-            <a:extLst>
-              <a:ext uri="{FF2B5EF4-FFF2-40B4-BE49-F238E27FC236}">
-                <a16:creationId xmlns:a16="http://schemas.microsoft.com/office/drawing/2014/main" id="{A7009A0A-BEF5-4EAC-AF15-E4F9F002E239}"/>
+          <p:cNvPr id="36" name="Rectangle 35">
+            <a:extLst>
+              <a:ext uri="{FF2B5EF4-FFF2-40B4-BE49-F238E27FC236}">
+                <a16:creationId xmlns:a16="http://schemas.microsoft.com/office/drawing/2014/main" id="{85149191-5F60-4A28-AAFF-039F96B0F3EC}"/>
               </a:ext>
               <a:ext uri="{C183D7F6-B498-43B3-948B-1728B52AA6E4}">
                 <adec:decorative xmlns:adec="http://schemas.microsoft.com/office/drawing/2017/decorative" val="1"/>
@@ -4411,9 +4408,9 @@
           </p:nvPr>
         </p:nvSpPr>
         <p:spPr>
-          <a:xfrm flipH="1">
-            <a:off x="-3" y="-1"/>
-            <a:ext cx="12192002" cy="1574311"/>
+          <a:xfrm rot="16200000" flipH="1">
+            <a:off x="-1180882" y="1638085"/>
+            <a:ext cx="6857572" cy="3581401"/>
           </a:xfrm>
           <a:prstGeom prst="rect">
             <a:avLst/>
@@ -4422,16 +4419,16 @@
             <a:gsLst>
               <a:gs pos="0">
                 <a:srgbClr val="000000">
-                  <a:alpha val="63000"/>
+                  <a:alpha val="59000"/>
                 </a:srgbClr>
               </a:gs>
-              <a:gs pos="78000">
+              <a:gs pos="69000">
                 <a:schemeClr val="accent1">
-                  <a:alpha val="15000"/>
+                  <a:alpha val="0"/>
                 </a:schemeClr>
               </a:gs>
             </a:gsLst>
-            <a:lin ang="15600000" scaled="0"/>
+            <a:lin ang="13200000" scaled="0"/>
           </a:gradFill>
           <a:ln>
             <a:noFill/>
@@ -4458,7 +4455,180 @@
           <a:lstStyle/>
           <a:p>
             <a:pPr algn="ctr"/>
-            <a:endParaRPr lang="en-US"/>
+            <a:endParaRPr lang="en-US" dirty="0"/>
+          </a:p>
+        </p:txBody>
+      </p:sp>
+      <p:sp>
+        <p:nvSpPr>
+          <p:cNvPr id="38" name="Freeform: Shape 37">
+            <a:extLst>
+              <a:ext uri="{FF2B5EF4-FFF2-40B4-BE49-F238E27FC236}">
+                <a16:creationId xmlns:a16="http://schemas.microsoft.com/office/drawing/2014/main" id="{F8260ED5-17F7-4158-B241-D51DD4CF1B7E}"/>
+              </a:ext>
+              <a:ext uri="{C183D7F6-B498-43B3-948B-1728B52AA6E4}">
+                <adec:decorative xmlns:adec="http://schemas.microsoft.com/office/drawing/2017/decorative" val="1"/>
+              </a:ext>
+            </a:extLst>
+          </p:cNvPr>
+          <p:cNvSpPr>
+            <a:spLocks noGrp="1" noRot="1" noChangeAspect="1" noMove="1" noResize="1" noEditPoints="1" noAdjustHandles="1" noChangeArrowheads="1" noChangeShapeType="1" noTextEdit="1"/>
+          </p:cNvSpPr>
+          <p:nvPr>
+            <p:extLst>
+              <p:ext uri="{386F3935-93C4-4BCD-93E2-E3B085C9AB24}">
+                <p16:designElem xmlns:p16="http://schemas.microsoft.com/office/powerpoint/2015/main" val="1"/>
+              </p:ext>
+            </p:extLst>
+          </p:nvPr>
+        </p:nvSpPr>
+        <p:spPr>
+          <a:xfrm rot="6097846">
+            <a:off x="-747355" y="1201312"/>
+            <a:ext cx="4808302" cy="4088666"/>
+          </a:xfrm>
+          <a:custGeom>
+            <a:avLst/>
+            <a:gdLst>
+              <a:gd name="connsiteX0" fmla="*/ 48844 w 4808302"/>
+              <a:gd name="connsiteY0" fmla="*/ 2888671 h 4088666"/>
+              <a:gd name="connsiteX1" fmla="*/ 0 w 4808302"/>
+              <a:gd name="connsiteY1" fmla="*/ 2404151 h 4088666"/>
+              <a:gd name="connsiteX2" fmla="*/ 2404151 w 4808302"/>
+              <a:gd name="connsiteY2" fmla="*/ 0 h 4088666"/>
+              <a:gd name="connsiteX3" fmla="*/ 4808302 w 4808302"/>
+              <a:gd name="connsiteY3" fmla="*/ 2404151 h 4088666"/>
+              <a:gd name="connsiteX4" fmla="*/ 4700216 w 4808302"/>
+              <a:gd name="connsiteY4" fmla="*/ 3119072 h 4088666"/>
+              <a:gd name="connsiteX5" fmla="*/ 4643143 w 4808302"/>
+              <a:gd name="connsiteY5" fmla="*/ 3275009 h 4088666"/>
+              <a:gd name="connsiteX6" fmla="*/ 690093 w 4808302"/>
+              <a:gd name="connsiteY6" fmla="*/ 4088666 h 4088666"/>
+              <a:gd name="connsiteX7" fmla="*/ 548991 w 4808302"/>
+              <a:gd name="connsiteY7" fmla="*/ 3933414 h 4088666"/>
+              <a:gd name="connsiteX8" fmla="*/ 48844 w 4808302"/>
+              <a:gd name="connsiteY8" fmla="*/ 2888671 h 4088666"/>
+            </a:gdLst>
+            <a:ahLst/>
+            <a:cxnLst>
+              <a:cxn ang="0">
+                <a:pos x="connsiteX0" y="connsiteY0"/>
+              </a:cxn>
+              <a:cxn ang="0">
+                <a:pos x="connsiteX1" y="connsiteY1"/>
+              </a:cxn>
+              <a:cxn ang="0">
+                <a:pos x="connsiteX2" y="connsiteY2"/>
+              </a:cxn>
+              <a:cxn ang="0">
+                <a:pos x="connsiteX3" y="connsiteY3"/>
+              </a:cxn>
+              <a:cxn ang="0">
+                <a:pos x="connsiteX4" y="connsiteY4"/>
+              </a:cxn>
+              <a:cxn ang="0">
+                <a:pos x="connsiteX5" y="connsiteY5"/>
+              </a:cxn>
+              <a:cxn ang="0">
+                <a:pos x="connsiteX6" y="connsiteY6"/>
+              </a:cxn>
+              <a:cxn ang="0">
+                <a:pos x="connsiteX7" y="connsiteY7"/>
+              </a:cxn>
+              <a:cxn ang="0">
+                <a:pos x="connsiteX8" y="connsiteY8"/>
+              </a:cxn>
+            </a:cxnLst>
+            <a:rect l="l" t="t" r="r" b="b"/>
+            <a:pathLst>
+              <a:path w="4808302" h="4088666">
+                <a:moveTo>
+                  <a:pt x="48844" y="2888671"/>
+                </a:moveTo>
+                <a:cubicBezTo>
+                  <a:pt x="16818" y="2732167"/>
+                  <a:pt x="0" y="2570123"/>
+                  <a:pt x="0" y="2404151"/>
+                </a:cubicBezTo>
+                <a:cubicBezTo>
+                  <a:pt x="0" y="1076375"/>
+                  <a:pt x="1076375" y="0"/>
+                  <a:pt x="2404151" y="0"/>
+                </a:cubicBezTo>
+                <a:cubicBezTo>
+                  <a:pt x="3731927" y="0"/>
+                  <a:pt x="4808302" y="1076375"/>
+                  <a:pt x="4808302" y="2404151"/>
+                </a:cubicBezTo>
+                <a:cubicBezTo>
+                  <a:pt x="4808302" y="2653109"/>
+                  <a:pt x="4770461" y="2893229"/>
+                  <a:pt x="4700216" y="3119072"/>
+                </a:cubicBezTo>
+                <a:lnTo>
+                  <a:pt x="4643143" y="3275009"/>
+                </a:lnTo>
+                <a:lnTo>
+                  <a:pt x="690093" y="4088666"/>
+                </a:lnTo>
+                <a:lnTo>
+                  <a:pt x="548991" y="3933414"/>
+                </a:lnTo>
+                <a:cubicBezTo>
+                  <a:pt x="304015" y="3636572"/>
+                  <a:pt x="128908" y="3279932"/>
+                  <a:pt x="48844" y="2888671"/>
+                </a:cubicBezTo>
+                <a:close/>
+              </a:path>
+            </a:pathLst>
+          </a:custGeom>
+          <a:gradFill>
+            <a:gsLst>
+              <a:gs pos="39000">
+                <a:schemeClr val="accent1">
+                  <a:lumMod val="60000"/>
+                  <a:lumOff val="40000"/>
+                  <a:alpha val="0"/>
+                </a:schemeClr>
+              </a:gs>
+              <a:gs pos="100000">
+                <a:schemeClr val="accent1">
+                  <a:lumMod val="75000"/>
+                  <a:alpha val="26000"/>
+                </a:schemeClr>
+              </a:gs>
+            </a:gsLst>
+            <a:lin ang="18600000" scaled="0"/>
+          </a:gradFill>
+          <a:ln>
+            <a:noFill/>
+          </a:ln>
+        </p:spPr>
+        <p:style>
+          <a:lnRef idx="2">
+            <a:schemeClr val="accent1">
+              <a:shade val="50000"/>
+            </a:schemeClr>
+          </a:lnRef>
+          <a:fillRef idx="1">
+            <a:schemeClr val="accent1"/>
+          </a:fillRef>
+          <a:effectRef idx="0">
+            <a:schemeClr val="accent1"/>
+          </a:effectRef>
+          <a:fontRef idx="minor">
+            <a:schemeClr val="lt1"/>
+          </a:fontRef>
+        </p:style>
+        <p:txBody>
+          <a:bodyPr wrap="square" rtlCol="0" anchor="ctr">
+            <a:noAutofit/>
+          </a:bodyPr>
+          <a:lstStyle/>
+          <a:p>
+            <a:pPr algn="ctr"/>
+            <a:endParaRPr lang="en-US" dirty="0"/>
           </a:p>
         </p:txBody>
       </p:sp>
@@ -4476,15 +4646,15 @@
         </p:nvSpPr>
         <p:spPr>
           <a:xfrm>
-            <a:off x="699713" y="248038"/>
-            <a:ext cx="7063721" cy="1159200"/>
+            <a:off x="660041" y="2767106"/>
+            <a:ext cx="2880828" cy="3071906"/>
           </a:xfrm>
           <a:prstGeom prst="rect">
             <a:avLst/>
           </a:prstGeom>
         </p:spPr>
         <p:txBody>
-          <a:bodyPr vert="horz" lIns="91440" tIns="45720" rIns="91440" bIns="45720" rtlCol="0" anchor="ctr">
+          <a:bodyPr vert="horz" lIns="91440" tIns="45720" rIns="91440" bIns="45720" rtlCol="0" anchor="t">
             <a:normAutofit/>
           </a:bodyPr>
           <a:lstStyle/>
@@ -4524,10 +4694,10 @@
       </p:sp>
       <p:pic>
         <p:nvPicPr>
-          <p:cNvPr id="5" name="图片 4" descr="文本&#10;&#10;描述已自动生成">
-            <a:extLst>
-              <a:ext uri="{FF2B5EF4-FFF2-40B4-BE49-F238E27FC236}">
-                <a16:creationId xmlns:a16="http://schemas.microsoft.com/office/drawing/2014/main" id="{78EEDED9-2A07-F713-0C87-4D12EE2016E3}"/>
+          <p:cNvPr id="4" name="图片 3" descr="文本&#10;&#10;描述已自动生成">
+            <a:extLst>
+              <a:ext uri="{FF2B5EF4-FFF2-40B4-BE49-F238E27FC236}">
+                <a16:creationId xmlns:a16="http://schemas.microsoft.com/office/drawing/2014/main" id="{41B2BF2A-34F5-C06E-4C9E-C5A577AE9A2C}"/>
               </a:ext>
             </a:extLst>
           </p:cNvPr>
@@ -4537,21 +4707,15 @@
           <p:nvPr/>
         </p:nvPicPr>
         <p:blipFill>
-          <a:blip r:embed="rId2">
-            <a:extLst>
-              <a:ext uri="{28A0092B-C50C-407E-A947-70E740481C1C}">
-                <a14:useLocalDpi xmlns:a14="http://schemas.microsoft.com/office/drawing/2010/main" val="0"/>
-              </a:ext>
-            </a:extLst>
-          </a:blip>
+          <a:blip r:embed="rId2"/>
           <a:stretch>
             <a:fillRect/>
           </a:stretch>
         </p:blipFill>
         <p:spPr>
           <a:xfrm>
-            <a:off x="1065311" y="1966293"/>
-            <a:ext cx="10061377" cy="4452160"/>
+            <a:off x="4502428" y="507327"/>
+            <a:ext cx="7225748" cy="5843345"/>
           </a:xfrm>
           <a:prstGeom prst="rect">
             <a:avLst/>
